--- a/VM_BH_AS_Presentation.pptx
+++ b/VM_BH_AS_Presentation.pptx
@@ -5,7 +5,7 @@
     <p:sldMasterId id="2147483845" r:id="rId1"/>
   </p:sldMasterIdLst>
   <p:notesMasterIdLst>
-    <p:notesMasterId r:id="rId15"/>
+    <p:notesMasterId r:id="rId16"/>
   </p:notesMasterIdLst>
   <p:sldIdLst>
     <p:sldId id="256" r:id="rId2"/>
@@ -16,11 +16,12 @@
     <p:sldId id="263" r:id="rId7"/>
     <p:sldId id="264" r:id="rId8"/>
     <p:sldId id="266" r:id="rId9"/>
-    <p:sldId id="258" r:id="rId10"/>
-    <p:sldId id="267" r:id="rId11"/>
-    <p:sldId id="268" r:id="rId12"/>
-    <p:sldId id="269" r:id="rId13"/>
-    <p:sldId id="270" r:id="rId14"/>
+    <p:sldId id="271" r:id="rId10"/>
+    <p:sldId id="258" r:id="rId11"/>
+    <p:sldId id="267" r:id="rId12"/>
+    <p:sldId id="268" r:id="rId13"/>
+    <p:sldId id="269" r:id="rId14"/>
+    <p:sldId id="270" r:id="rId15"/>
   </p:sldIdLst>
   <p:sldSz cx="12192000" cy="6858000"/>
   <p:notesSz cx="6858000" cy="9144000"/>
@@ -209,7 +210,7 @@
           <a:p>
             <a:fld id="{1D50E53E-699E-4BA5-8D15-40EB6EA7E095}" type="datetimeFigureOut">
               <a:rPr lang="en-US" smtClean="0"/>
-              <a:t>12/11/2020</a:t>
+              <a:t>12/12/2020</a:t>
             </a:fld>
             <a:endParaRPr lang="en-US"/>
           </a:p>
@@ -978,7 +979,7 @@
           <a:p>
             <a:fld id="{3B8AC196-FD05-4314-97D2-8EFBBC0C59DF}" type="datetime1">
               <a:rPr lang="en-US" smtClean="0"/>
-              <a:t>12/11/2020</a:t>
+              <a:t>12/12/2020</a:t>
             </a:fld>
             <a:endParaRPr lang="en-US"/>
           </a:p>
@@ -1277,7 +1278,7 @@
           <a:p>
             <a:fld id="{88DF6A70-60C9-4FEE-B8A3-5420164A5029}" type="datetime1">
               <a:rPr lang="en-US" smtClean="0"/>
-              <a:t>12/11/2020</a:t>
+              <a:t>12/12/2020</a:t>
             </a:fld>
             <a:endParaRPr lang="en-US"/>
           </a:p>
@@ -1528,7 +1529,7 @@
           <a:p>
             <a:fld id="{28B344B7-9B7F-41C1-846C-5A725E342C9C}" type="datetime1">
               <a:rPr lang="en-US" smtClean="0"/>
-              <a:t>12/11/2020</a:t>
+              <a:t>12/12/2020</a:t>
             </a:fld>
             <a:endParaRPr lang="en-US"/>
           </a:p>
@@ -2071,7 +2072,7 @@
           <a:p>
             <a:fld id="{430AFDFE-192A-4A8C-966F-D378B5880824}" type="datetime1">
               <a:rPr lang="en-US" smtClean="0"/>
-              <a:t>12/11/2020</a:t>
+              <a:t>12/12/2020</a:t>
             </a:fld>
             <a:endParaRPr lang="en-US"/>
           </a:p>
@@ -2322,7 +2323,7 @@
           <a:p>
             <a:fld id="{DC3C3D49-4497-4C6A-A302-34975541C622}" type="datetime1">
               <a:rPr lang="en-US" smtClean="0"/>
-              <a:t>12/11/2020</a:t>
+              <a:t>12/12/2020</a:t>
             </a:fld>
             <a:endParaRPr lang="en-US"/>
           </a:p>
@@ -2857,7 +2858,7 @@
           <a:p>
             <a:fld id="{EF15C09C-D7A3-42B5-B62F-8671D111D401}" type="datetime1">
               <a:rPr lang="en-US" smtClean="0"/>
-              <a:t>12/11/2020</a:t>
+              <a:t>12/12/2020</a:t>
             </a:fld>
             <a:endParaRPr lang="en-US"/>
           </a:p>
@@ -3157,7 +3158,7 @@
           <a:p>
             <a:fld id="{C841B22A-B120-43BE-A93A-66B4DAEEF8C6}" type="datetime1">
               <a:rPr lang="en-US" smtClean="0"/>
-              <a:t>12/11/2020</a:t>
+              <a:t>12/12/2020</a:t>
             </a:fld>
             <a:endParaRPr lang="en-US"/>
           </a:p>
@@ -3334,7 +3335,7 @@
           <a:p>
             <a:fld id="{4E2822B1-1002-4DC9-8DE9-4531549E2D0B}" type="datetime1">
               <a:rPr lang="en-US" smtClean="0"/>
-              <a:t>12/11/2020</a:t>
+              <a:t>12/12/2020</a:t>
             </a:fld>
             <a:endParaRPr lang="en-US"/>
           </a:p>
@@ -3517,7 +3518,7 @@
           <a:p>
             <a:fld id="{84323029-FF9F-4C32-AFC2-CB7BAAA3988B}" type="datetime1">
               <a:rPr lang="en-US" smtClean="0"/>
-              <a:t>12/11/2020</a:t>
+              <a:t>12/12/2020</a:t>
             </a:fld>
             <a:endParaRPr lang="en-US"/>
           </a:p>
@@ -3743,7 +3744,7 @@
           <a:p>
             <a:fld id="{B00EE8EF-0DC1-4A27-81BB-7AC14F7A7CA1}" type="datetime1">
               <a:rPr lang="en-US" smtClean="0"/>
-              <a:t>12/11/2020</a:t>
+              <a:t>12/12/2020</a:t>
             </a:fld>
             <a:endParaRPr lang="en-US"/>
           </a:p>
@@ -4007,7 +4008,7 @@
           <a:p>
             <a:fld id="{EFFFC42D-34FA-4167-B9E2-9D84A49E0F6E}" type="datetime1">
               <a:rPr lang="en-US" smtClean="0"/>
-              <a:t>12/11/2020</a:t>
+              <a:t>12/12/2020</a:t>
             </a:fld>
             <a:endParaRPr lang="en-US"/>
           </a:p>
@@ -4357,7 +4358,7 @@
           <a:p>
             <a:fld id="{FCE0DB62-23ED-46FC-BE6F-33D0F3F5B270}" type="datetime1">
               <a:rPr lang="en-US" smtClean="0"/>
-              <a:t>12/11/2020</a:t>
+              <a:t>12/12/2020</a:t>
             </a:fld>
             <a:endParaRPr lang="en-US"/>
           </a:p>
@@ -4852,7 +4853,7 @@
           <a:p>
             <a:fld id="{0F0EEF8B-7D93-4DFA-B192-123430AA0750}" type="datetime1">
               <a:rPr lang="en-US" smtClean="0"/>
-              <a:t>12/11/2020</a:t>
+              <a:t>12/12/2020</a:t>
             </a:fld>
             <a:endParaRPr lang="en-US"/>
           </a:p>
@@ -4973,7 +4974,7 @@
           <a:p>
             <a:fld id="{2E73E5C2-84B2-421D-8DC5-FEA39FF06889}" type="datetime1">
               <a:rPr lang="en-US" smtClean="0"/>
-              <a:t>12/11/2020</a:t>
+              <a:t>12/12/2020</a:t>
             </a:fld>
             <a:endParaRPr lang="en-US"/>
           </a:p>
@@ -5071,7 +5072,7 @@
           <a:p>
             <a:fld id="{144EC86E-3AA3-4880-A328-EF311237E5A7}" type="datetime1">
               <a:rPr lang="en-US" smtClean="0"/>
-              <a:t>12/11/2020</a:t>
+              <a:t>12/12/2020</a:t>
             </a:fld>
             <a:endParaRPr lang="en-US"/>
           </a:p>
@@ -5357,7 +5358,7 @@
           <a:p>
             <a:fld id="{8522FEA1-DBA2-4A59-9575-7A122756FDDF}" type="datetime1">
               <a:rPr lang="en-US" smtClean="0"/>
-              <a:t>12/11/2020</a:t>
+              <a:t>12/12/2020</a:t>
             </a:fld>
             <a:endParaRPr lang="en-US"/>
           </a:p>
@@ -5651,7 +5652,7 @@
           <a:p>
             <a:fld id="{3C9ADD66-84EB-42BD-B53D-CC1DE02BBAB0}" type="datetime1">
               <a:rPr lang="en-US" smtClean="0"/>
-              <a:t>12/11/2020</a:t>
+              <a:t>12/12/2020</a:t>
             </a:fld>
             <a:endParaRPr lang="en-US"/>
           </a:p>
@@ -6184,7 +6185,7 @@
           <a:p>
             <a:fld id="{7CDDEA65-2595-4FF5-9938-417B991E3A2C}" type="datetime1">
               <a:rPr lang="en-US" smtClean="0"/>
-              <a:t>12/11/2020</a:t>
+              <a:t>12/12/2020</a:t>
             </a:fld>
             <a:endParaRPr lang="en-US"/>
           </a:p>
@@ -6892,6 +6893,177 @@
           <p:cNvPr id="2" name="Title 1">
             <a:extLst>
               <a:ext uri="{FF2B5EF4-FFF2-40B4-BE49-F238E27FC236}">
+                <a16:creationId xmlns:a16="http://schemas.microsoft.com/office/drawing/2014/main" id="{66178EB0-6620-4EAB-AF63-B91FCD8A156D}"/>
+              </a:ext>
+            </a:extLst>
+          </p:cNvPr>
+          <p:cNvSpPr>
+            <a:spLocks noGrp="1"/>
+          </p:cNvSpPr>
+          <p:nvPr>
+            <p:ph type="title"/>
+          </p:nvPr>
+        </p:nvSpPr>
+        <p:spPr>
+          <a:xfrm>
+            <a:off x="1576675" y="1566719"/>
+            <a:ext cx="9926348" cy="631536"/>
+          </a:xfrm>
+        </p:spPr>
+        <p:txBody>
+          <a:bodyPr>
+            <a:normAutofit fontScale="90000"/>
+          </a:bodyPr>
+          <a:lstStyle/>
+          <a:p>
+            <a:pPr algn="ctr"/>
+            <a:r>
+              <a:rPr lang="hu-HU" sz="9600" dirty="0"/>
+              <a:t>Q&amp;A?</a:t>
+            </a:r>
+            <a:endParaRPr lang="en-US" sz="9600" dirty="0"/>
+          </a:p>
+        </p:txBody>
+      </p:sp>
+      <p:pic>
+        <p:nvPicPr>
+          <p:cNvPr id="1026" name="Picture 2" descr="László Salló (MS Bus Analytics 2016): Lead Software Engineer, EPAM, Hungary  | Department of Economics and Business">
+            <a:extLst>
+              <a:ext uri="{FF2B5EF4-FFF2-40B4-BE49-F238E27FC236}">
+                <a16:creationId xmlns:a16="http://schemas.microsoft.com/office/drawing/2014/main" id="{41CF692D-873A-488F-A809-D9C0B2E3C20F}"/>
+              </a:ext>
+            </a:extLst>
+          </p:cNvPr>
+          <p:cNvPicPr>
+            <a:picLocks noChangeAspect="1" noChangeArrowheads="1"/>
+          </p:cNvPicPr>
+          <p:nvPr/>
+        </p:nvPicPr>
+        <p:blipFill>
+          <a:blip r:embed="rId2">
+            <a:extLst>
+              <a:ext uri="{28A0092B-C50C-407E-A947-70E740481C1C}">
+                <a14:useLocalDpi xmlns:a14="http://schemas.microsoft.com/office/drawing/2010/main" val="0"/>
+              </a:ext>
+            </a:extLst>
+          </a:blip>
+          <a:srcRect/>
+          <a:stretch>
+            <a:fillRect/>
+          </a:stretch>
+        </p:blipFill>
+        <p:spPr bwMode="auto">
+          <a:xfrm>
+            <a:off x="5396849" y="2676359"/>
+            <a:ext cx="2286000" cy="2286000"/>
+          </a:xfrm>
+          <a:prstGeom prst="rect">
+            <a:avLst/>
+          </a:prstGeom>
+          <a:noFill/>
+          <a:extLst>
+            <a:ext uri="{909E8E84-426E-40DD-AFC4-6F175D3DCCD1}">
+              <a14:hiddenFill xmlns:a14="http://schemas.microsoft.com/office/drawing/2010/main">
+                <a:solidFill>
+                  <a:srgbClr val="FFFFFF"/>
+                </a:solidFill>
+              </a14:hiddenFill>
+            </a:ext>
+          </a:extLst>
+        </p:spPr>
+      </p:pic>
+      <p:sp>
+        <p:nvSpPr>
+          <p:cNvPr id="4" name="Slide Number Placeholder 3">
+            <a:extLst>
+              <a:ext uri="{FF2B5EF4-FFF2-40B4-BE49-F238E27FC236}">
+                <a16:creationId xmlns:a16="http://schemas.microsoft.com/office/drawing/2014/main" id="{EFABC08C-2921-4871-8126-C46378500F3B}"/>
+              </a:ext>
+            </a:extLst>
+          </p:cNvPr>
+          <p:cNvSpPr>
+            <a:spLocks noGrp="1"/>
+          </p:cNvSpPr>
+          <p:nvPr>
+            <p:ph type="sldNum" sz="quarter" idx="12"/>
+          </p:nvPr>
+        </p:nvSpPr>
+        <p:spPr/>
+        <p:txBody>
+          <a:bodyPr/>
+          <a:lstStyle/>
+          <a:p>
+            <a:fld id="{C5EA75CF-639A-4996-856D-6F4510F01885}" type="slidenum">
+              <a:rPr lang="en-US" smtClean="0"/>
+              <a:t>10</a:t>
+            </a:fld>
+            <a:endParaRPr lang="en-US"/>
+          </a:p>
+        </p:txBody>
+      </p:sp>
+      <p:sp>
+        <p:nvSpPr>
+          <p:cNvPr id="5" name="Footer Placeholder 4">
+            <a:extLst>
+              <a:ext uri="{FF2B5EF4-FFF2-40B4-BE49-F238E27FC236}">
+                <a16:creationId xmlns:a16="http://schemas.microsoft.com/office/drawing/2014/main" id="{A11C3EFF-93D0-4547-8F14-0FEC472719FA}"/>
+              </a:ext>
+            </a:extLst>
+          </p:cNvPr>
+          <p:cNvSpPr>
+            <a:spLocks noGrp="1"/>
+          </p:cNvSpPr>
+          <p:nvPr>
+            <p:ph type="ftr" sz="quarter" idx="11"/>
+          </p:nvPr>
+        </p:nvSpPr>
+        <p:spPr/>
+        <p:txBody>
+          <a:bodyPr/>
+          <a:lstStyle/>
+          <a:p>
+            <a:r>
+              <a:rPr lang="en-US"/>
+              <a:t>Data Engineering 2 | Viktória Mészáros, Brúnó Helmeczy, Attila Serfőző</a:t>
+            </a:r>
+          </a:p>
+        </p:txBody>
+      </p:sp>
+    </p:spTree>
+    <p:extLst>
+      <p:ext uri="{BB962C8B-B14F-4D97-AF65-F5344CB8AC3E}">
+        <p14:creationId xmlns:p14="http://schemas.microsoft.com/office/powerpoint/2010/main" val="3372998428"/>
+      </p:ext>
+    </p:extLst>
+  </p:cSld>
+  <p:clrMapOvr>
+    <a:masterClrMapping/>
+  </p:clrMapOvr>
+</p:sld>
+</file>
+
+<file path=ppt/slides/slide11.xml><?xml version="1.0" encoding="utf-8"?>
+<p:sld xmlns:a="http://schemas.openxmlformats.org/drawingml/2006/main" xmlns:r="http://schemas.openxmlformats.org/officeDocument/2006/relationships" xmlns:p="http://schemas.openxmlformats.org/presentationml/2006/main">
+  <p:cSld>
+    <p:spTree>
+      <p:nvGrpSpPr>
+        <p:cNvPr id="1" name=""/>
+        <p:cNvGrpSpPr/>
+        <p:nvPr/>
+      </p:nvGrpSpPr>
+      <p:grpSpPr>
+        <a:xfrm>
+          <a:off x="0" y="0"/>
+          <a:ext cx="0" cy="0"/>
+          <a:chOff x="0" y="0"/>
+          <a:chExt cx="0" cy="0"/>
+        </a:xfrm>
+      </p:grpSpPr>
+      <p:sp>
+        <p:nvSpPr>
+          <p:cNvPr id="2" name="Title 1">
+            <a:extLst>
+              <a:ext uri="{FF2B5EF4-FFF2-40B4-BE49-F238E27FC236}">
                 <a16:creationId xmlns:a16="http://schemas.microsoft.com/office/drawing/2014/main" id="{BB68772E-7F2E-42FE-BA20-D3DC9B1BDF0E}"/>
               </a:ext>
             </a:extLst>
@@ -6972,7 +7144,7 @@
           <a:p>
             <a:fld id="{C5EA75CF-639A-4996-856D-6F4510F01885}" type="slidenum">
               <a:rPr lang="en-US" smtClean="0"/>
-              <a:t>10</a:t>
+              <a:t>11</a:t>
             </a:fld>
             <a:endParaRPr lang="en-US"/>
           </a:p>
@@ -7038,7 +7210,7 @@
 </p:sld>
 </file>
 
-<file path=ppt/slides/slide11.xml><?xml version="1.0" encoding="utf-8"?>
+<file path=ppt/slides/slide12.xml><?xml version="1.0" encoding="utf-8"?>
 <p:sld xmlns:a="http://schemas.openxmlformats.org/drawingml/2006/main" xmlns:r="http://schemas.openxmlformats.org/officeDocument/2006/relationships" xmlns:p="http://schemas.openxmlformats.org/presentationml/2006/main">
   <p:cSld>
     <p:spTree>
@@ -7144,7 +7316,7 @@
           <a:p>
             <a:fld id="{C5EA75CF-639A-4996-856D-6F4510F01885}" type="slidenum">
               <a:rPr lang="en-US" smtClean="0"/>
-              <a:t>11</a:t>
+              <a:t>12</a:t>
             </a:fld>
             <a:endParaRPr lang="en-US"/>
           </a:p>
@@ -7223,7 +7395,7 @@
 </p:sld>
 </file>
 
-<file path=ppt/slides/slide12.xml><?xml version="1.0" encoding="utf-8"?>
+<file path=ppt/slides/slide13.xml><?xml version="1.0" encoding="utf-8"?>
 <p:sld xmlns:a="http://schemas.openxmlformats.org/drawingml/2006/main" xmlns:r="http://schemas.openxmlformats.org/officeDocument/2006/relationships" xmlns:p="http://schemas.openxmlformats.org/presentationml/2006/main">
   <p:cSld>
     <p:spTree>
@@ -7341,7 +7513,7 @@
           <a:p>
             <a:fld id="{C5EA75CF-639A-4996-856D-6F4510F01885}" type="slidenum">
               <a:rPr lang="en-US" smtClean="0"/>
-              <a:t>12</a:t>
+              <a:t>13</a:t>
             </a:fld>
             <a:endParaRPr lang="en-US"/>
           </a:p>
@@ -7430,7 +7602,7 @@
 </p:sld>
 </file>
 
-<file path=ppt/slides/slide13.xml><?xml version="1.0" encoding="utf-8"?>
+<file path=ppt/slides/slide14.xml><?xml version="1.0" encoding="utf-8"?>
 <p:sld xmlns:a="http://schemas.openxmlformats.org/drawingml/2006/main" xmlns:r="http://schemas.openxmlformats.org/officeDocument/2006/relationships" xmlns:p="http://schemas.openxmlformats.org/presentationml/2006/main">
   <p:cSld>
     <p:spTree>
@@ -7556,7 +7728,7 @@
           <a:p>
             <a:fld id="{C5EA75CF-639A-4996-856D-6F4510F01885}" type="slidenum">
               <a:rPr lang="en-US" smtClean="0"/>
-              <a:t>13</a:t>
+              <a:t>14</a:t>
             </a:fld>
             <a:endParaRPr lang="en-US"/>
           </a:p>
@@ -12704,7 +12876,7 @@
           <a:p>
             <a:pPr algn="ctr"/>
             <a:r>
-              <a:rPr lang="en-US" sz="1600" b="1">
+              <a:rPr lang="en-US" sz="1600" b="1" dirty="0">
                 <a:solidFill>
                   <a:schemeClr val="tx1"/>
                 </a:solidFill>
@@ -12715,7 +12887,7 @@
           <a:p>
             <a:pPr algn="ctr"/>
             <a:r>
-              <a:rPr lang="en-US" sz="1600" b="1">
+              <a:rPr lang="en-US" sz="1600" b="1" dirty="0">
                 <a:solidFill>
                   <a:schemeClr val="tx1"/>
                 </a:solidFill>
@@ -14278,10 +14450,10 @@
       </p:grpSpPr>
       <p:sp>
         <p:nvSpPr>
-          <p:cNvPr id="2" name="Title 1">
+          <p:cNvPr id="4" name="Footer Placeholder 3">
             <a:extLst>
               <a:ext uri="{FF2B5EF4-FFF2-40B4-BE49-F238E27FC236}">
-                <a16:creationId xmlns:a16="http://schemas.microsoft.com/office/drawing/2014/main" id="{66178EB0-6620-4EAB-AF63-B91FCD8A156D}"/>
+                <a16:creationId xmlns:a16="http://schemas.microsoft.com/office/drawing/2014/main" id="{D98CFD5F-ACA9-461F-8E3D-9B48754FA0FF}"/>
               </a:ext>
             </a:extLst>
           </p:cNvPr>
@@ -14289,83 +14461,28 @@
             <a:spLocks noGrp="1"/>
           </p:cNvSpPr>
           <p:nvPr>
-            <p:ph type="title"/>
+            <p:ph type="ftr" sz="quarter" idx="11"/>
           </p:nvPr>
         </p:nvSpPr>
-        <p:spPr>
-          <a:xfrm>
-            <a:off x="1576675" y="1566719"/>
-            <a:ext cx="9926348" cy="631536"/>
-          </a:xfrm>
-        </p:spPr>
-        <p:txBody>
-          <a:bodyPr>
-            <a:normAutofit fontScale="90000"/>
-          </a:bodyPr>
+        <p:spPr/>
+        <p:txBody>
+          <a:bodyPr/>
           <a:lstStyle/>
           <a:p>
             <a:pPr algn="ctr"/>
             <a:r>
-              <a:rPr lang="hu-HU" sz="9600" dirty="0"/>
-              <a:t>Q&amp;A?</a:t>
-            </a:r>
-            <a:endParaRPr lang="en-US" sz="9600" dirty="0"/>
-          </a:p>
-        </p:txBody>
-      </p:sp>
-      <p:pic>
-        <p:nvPicPr>
-          <p:cNvPr id="1026" name="Picture 2" descr="László Salló (MS Bus Analytics 2016): Lead Software Engineer, EPAM, Hungary  | Department of Economics and Business">
+              <a:rPr lang="en-US"/>
+              <a:t>Data Engineering 2 | Viktória Mészáros, Brúnó Helmeczy, Attila Serfőző</a:t>
+            </a:r>
+          </a:p>
+        </p:txBody>
+      </p:sp>
+      <p:sp>
+        <p:nvSpPr>
+          <p:cNvPr id="5" name="Slide Number Placeholder 4">
             <a:extLst>
               <a:ext uri="{FF2B5EF4-FFF2-40B4-BE49-F238E27FC236}">
-                <a16:creationId xmlns:a16="http://schemas.microsoft.com/office/drawing/2014/main" id="{41CF692D-873A-488F-A809-D9C0B2E3C20F}"/>
-              </a:ext>
-            </a:extLst>
-          </p:cNvPr>
-          <p:cNvPicPr>
-            <a:picLocks noChangeAspect="1" noChangeArrowheads="1"/>
-          </p:cNvPicPr>
-          <p:nvPr/>
-        </p:nvPicPr>
-        <p:blipFill>
-          <a:blip r:embed="rId2">
-            <a:extLst>
-              <a:ext uri="{28A0092B-C50C-407E-A947-70E740481C1C}">
-                <a14:useLocalDpi xmlns:a14="http://schemas.microsoft.com/office/drawing/2010/main" val="0"/>
-              </a:ext>
-            </a:extLst>
-          </a:blip>
-          <a:srcRect/>
-          <a:stretch>
-            <a:fillRect/>
-          </a:stretch>
-        </p:blipFill>
-        <p:spPr bwMode="auto">
-          <a:xfrm>
-            <a:off x="5396849" y="2676359"/>
-            <a:ext cx="2286000" cy="2286000"/>
-          </a:xfrm>
-          <a:prstGeom prst="rect">
-            <a:avLst/>
-          </a:prstGeom>
-          <a:noFill/>
-          <a:extLst>
-            <a:ext uri="{909E8E84-426E-40DD-AFC4-6F175D3DCCD1}">
-              <a14:hiddenFill xmlns:a14="http://schemas.microsoft.com/office/drawing/2010/main">
-                <a:solidFill>
-                  <a:srgbClr val="FFFFFF"/>
-                </a:solidFill>
-              </a14:hiddenFill>
-            </a:ext>
-          </a:extLst>
-        </p:spPr>
-      </p:pic>
-      <p:sp>
-        <p:nvSpPr>
-          <p:cNvPr id="4" name="Slide Number Placeholder 3">
-            <a:extLst>
-              <a:ext uri="{FF2B5EF4-FFF2-40B4-BE49-F238E27FC236}">
-                <a16:creationId xmlns:a16="http://schemas.microsoft.com/office/drawing/2014/main" id="{EFABC08C-2921-4871-8126-C46378500F3B}"/>
+                <a16:creationId xmlns:a16="http://schemas.microsoft.com/office/drawing/2014/main" id="{F32B2F63-248A-4FEA-89E0-6D3A9709DB32}"/>
               </a:ext>
             </a:extLst>
           </p:cNvPr>
@@ -14389,38 +14506,40 @@
           </a:p>
         </p:txBody>
       </p:sp>
-      <p:sp>
-        <p:nvSpPr>
-          <p:cNvPr id="5" name="Footer Placeholder 4">
+      <p:pic>
+        <p:nvPicPr>
+          <p:cNvPr id="7" name="Picture 6">
             <a:extLst>
               <a:ext uri="{FF2B5EF4-FFF2-40B4-BE49-F238E27FC236}">
-                <a16:creationId xmlns:a16="http://schemas.microsoft.com/office/drawing/2014/main" id="{A11C3EFF-93D0-4547-8F14-0FEC472719FA}"/>
+                <a16:creationId xmlns:a16="http://schemas.microsoft.com/office/drawing/2014/main" id="{55C23BFD-3046-4B02-B434-0D7743DD924A}"/>
               </a:ext>
             </a:extLst>
           </p:cNvPr>
-          <p:cNvSpPr>
-            <a:spLocks noGrp="1"/>
-          </p:cNvSpPr>
-          <p:nvPr>
-            <p:ph type="ftr" sz="quarter" idx="11"/>
-          </p:nvPr>
-        </p:nvSpPr>
-        <p:spPr/>
-        <p:txBody>
-          <a:bodyPr/>
-          <a:lstStyle/>
-          <a:p>
-            <a:r>
-              <a:rPr lang="en-US"/>
-              <a:t>Data Engineering 2 | Viktória Mészáros, Brúnó Helmeczy, Attila Serfőző</a:t>
-            </a:r>
-          </a:p>
-        </p:txBody>
-      </p:sp>
+          <p:cNvPicPr>
+            <a:picLocks noChangeAspect="1"/>
+          </p:cNvPicPr>
+          <p:nvPr/>
+        </p:nvPicPr>
+        <p:blipFill>
+          <a:blip r:embed="rId2"/>
+          <a:stretch>
+            <a:fillRect/>
+          </a:stretch>
+        </p:blipFill>
+        <p:spPr>
+          <a:xfrm>
+            <a:off x="1738760" y="384992"/>
+            <a:ext cx="9943396" cy="5714149"/>
+          </a:xfrm>
+          <a:prstGeom prst="rect">
+            <a:avLst/>
+          </a:prstGeom>
+        </p:spPr>
+      </p:pic>
     </p:spTree>
     <p:extLst>
       <p:ext uri="{BB962C8B-B14F-4D97-AF65-F5344CB8AC3E}">
-        <p14:creationId xmlns:p14="http://schemas.microsoft.com/office/powerpoint/2010/main" val="3372998428"/>
+        <p14:creationId xmlns:p14="http://schemas.microsoft.com/office/powerpoint/2010/main" val="3524855764"/>
       </p:ext>
     </p:extLst>
   </p:cSld>
